--- a/slides/kopr-actors-akka.pptx
+++ b/slides/kopr-actors-akka.pptx
@@ -267,7 +267,7 @@
           <a:p>
             <a:fld id="{E7E14B90-FC48-494B-ABB4-C7CAA3D3251A}" type="datetimeFigureOut">
               <a:rPr lang="sk-SK" smtClean="0"/>
-              <a:t>19.12.16</a:t>
+              <a:t>17.12.17</a:t>
             </a:fld>
             <a:endParaRPr lang="sk-SK"/>
           </a:p>
@@ -1204,7 +1204,7 @@
           <a:p>
             <a:fld id="{BE6408A6-CBB4-4D3C-8C28-F46547878EE8}" type="datetimeFigureOut">
               <a:rPr lang="sk-SK" smtClean="0"/>
-              <a:t>19.12.16</a:t>
+              <a:t>17.12.17</a:t>
             </a:fld>
             <a:endParaRPr lang="sk-SK"/>
           </a:p>
@@ -1381,7 +1381,7 @@
           <a:p>
             <a:fld id="{BE6408A6-CBB4-4D3C-8C28-F46547878EE8}" type="datetimeFigureOut">
               <a:rPr lang="sk-SK" smtClean="0"/>
-              <a:t>19.12.16</a:t>
+              <a:t>17.12.17</a:t>
             </a:fld>
             <a:endParaRPr lang="sk-SK"/>
           </a:p>
@@ -1561,7 +1561,7 @@
           <a:p>
             <a:fld id="{BE6408A6-CBB4-4D3C-8C28-F46547878EE8}" type="datetimeFigureOut">
               <a:rPr lang="sk-SK" smtClean="0"/>
-              <a:t>19.12.16</a:t>
+              <a:t>17.12.17</a:t>
             </a:fld>
             <a:endParaRPr lang="sk-SK"/>
           </a:p>
@@ -1731,7 +1731,7 @@
           <a:p>
             <a:fld id="{BE6408A6-CBB4-4D3C-8C28-F46547878EE8}" type="datetimeFigureOut">
               <a:rPr lang="sk-SK" smtClean="0"/>
-              <a:t>19.12.16</a:t>
+              <a:t>17.12.17</a:t>
             </a:fld>
             <a:endParaRPr lang="sk-SK"/>
           </a:p>
@@ -1984,7 +1984,7 @@
           <a:p>
             <a:fld id="{BE6408A6-CBB4-4D3C-8C28-F46547878EE8}" type="datetimeFigureOut">
               <a:rPr lang="sk-SK" smtClean="0"/>
-              <a:t>19.12.16</a:t>
+              <a:t>17.12.17</a:t>
             </a:fld>
             <a:endParaRPr lang="sk-SK"/>
           </a:p>
@@ -2279,7 +2279,7 @@
           <a:p>
             <a:fld id="{BE6408A6-CBB4-4D3C-8C28-F46547878EE8}" type="datetimeFigureOut">
               <a:rPr lang="sk-SK" smtClean="0"/>
-              <a:t>19.12.16</a:t>
+              <a:t>17.12.17</a:t>
             </a:fld>
             <a:endParaRPr lang="sk-SK"/>
           </a:p>
@@ -2701,7 +2701,7 @@
           <a:p>
             <a:fld id="{BE6408A6-CBB4-4D3C-8C28-F46547878EE8}" type="datetimeFigureOut">
               <a:rPr lang="sk-SK" smtClean="0"/>
-              <a:t>19.12.16</a:t>
+              <a:t>17.12.17</a:t>
             </a:fld>
             <a:endParaRPr lang="sk-SK"/>
           </a:p>
@@ -2819,7 +2819,7 @@
           <a:p>
             <a:fld id="{BE6408A6-CBB4-4D3C-8C28-F46547878EE8}" type="datetimeFigureOut">
               <a:rPr lang="sk-SK" smtClean="0"/>
-              <a:t>19.12.16</a:t>
+              <a:t>17.12.17</a:t>
             </a:fld>
             <a:endParaRPr lang="sk-SK"/>
           </a:p>
@@ -2914,7 +2914,7 @@
           <a:p>
             <a:fld id="{BE6408A6-CBB4-4D3C-8C28-F46547878EE8}" type="datetimeFigureOut">
               <a:rPr lang="sk-SK" smtClean="0"/>
-              <a:t>19.12.16</a:t>
+              <a:t>17.12.17</a:t>
             </a:fld>
             <a:endParaRPr lang="sk-SK"/>
           </a:p>
@@ -3191,7 +3191,7 @@
           <a:p>
             <a:fld id="{BE6408A6-CBB4-4D3C-8C28-F46547878EE8}" type="datetimeFigureOut">
               <a:rPr lang="sk-SK" smtClean="0"/>
-              <a:t>19.12.16</a:t>
+              <a:t>17.12.17</a:t>
             </a:fld>
             <a:endParaRPr lang="sk-SK"/>
           </a:p>
@@ -3444,7 +3444,7 @@
           <a:p>
             <a:fld id="{BE6408A6-CBB4-4D3C-8C28-F46547878EE8}" type="datetimeFigureOut">
               <a:rPr lang="sk-SK" smtClean="0"/>
-              <a:t>19.12.16</a:t>
+              <a:t>17.12.17</a:t>
             </a:fld>
             <a:endParaRPr lang="sk-SK"/>
           </a:p>
@@ -3695,7 +3695,7 @@
           <a:p>
             <a:fld id="{BE6408A6-CBB4-4D3C-8C28-F46547878EE8}" type="datetimeFigureOut">
               <a:rPr lang="sk-SK" smtClean="0"/>
-              <a:t>19.12.16</a:t>
+              <a:t>17.12.17</a:t>
             </a:fld>
             <a:endParaRPr lang="sk-SK"/>
           </a:p>
@@ -4189,15 +4189,7 @@
             </a:br>
             <a:r>
               <a:rPr lang="sk-SK" dirty="0" smtClean="0"/>
-              <a:t>19. </a:t>
-            </a:r>
-            <a:r>
-              <a:rPr lang="sk-SK" dirty="0" smtClean="0"/>
-              <a:t>december </a:t>
-            </a:r>
-            <a:r>
-              <a:rPr lang="sk-SK" dirty="0" smtClean="0"/>
-              <a:t>2016</a:t>
+              <a:t>19. december 2016</a:t>
             </a:r>
             <a:endParaRPr lang="sk-SK" dirty="0"/>
           </a:p>
@@ -7913,7 +7905,7 @@
         </p:nvCxnSpPr>
         <p:spPr>
           <a:xfrm>
-            <a:off x="251520" y="1052736"/>
+            <a:off x="234586" y="815669"/>
             <a:ext cx="8640960" cy="0"/>
           </a:xfrm>
           <a:prstGeom prst="line">
@@ -7943,7 +7935,7 @@
         </p:nvCxnSpPr>
         <p:spPr>
           <a:xfrm>
-            <a:off x="251520" y="1772816"/>
+            <a:off x="200719" y="1560405"/>
             <a:ext cx="8640960" cy="0"/>
           </a:xfrm>
           <a:prstGeom prst="line">
@@ -8280,7 +8272,6 @@
               <a:rPr lang="en-US" sz="2600" dirty="0" smtClean="0"/>
               <a:t>(3))));</a:t>
             </a:r>
-            <a:endParaRPr lang="en-US" sz="2600" dirty="0" smtClean="0"/>
           </a:p>
           <a:p>
             <a:endParaRPr lang="en-US" sz="2600" dirty="0" smtClean="0"/>
@@ -13527,7 +13518,9 @@
         </p:nvSpPr>
         <p:spPr/>
         <p:txBody>
-          <a:bodyPr/>
+          <a:bodyPr>
+            <a:normAutofit/>
+          </a:bodyPr>
           <a:lstStyle/>
           <a:p>
             <a:r>
@@ -13567,22 +13560,35 @@
           <a:p>
             <a:r>
               <a:rPr lang="sk-SK" dirty="0" smtClean="0"/>
-              <a:t>nedá sa na ňom urobiť blokujúci </a:t>
-            </a:r>
-            <a:r>
-              <a:rPr lang="sk-SK" b="1" dirty="0" smtClean="0">
-                <a:solidFill>
-                  <a:schemeClr val="accent6"/>
-                </a:solidFill>
-              </a:rPr>
-              <a:t>.get()</a:t>
-            </a:r>
-          </a:p>
-          <a:p>
-            <a:r>
-              <a:rPr lang="sk-SK" dirty="0" smtClean="0"/>
-              <a:t>dajú sa však zavesiť poslucháči na výsledok</a:t>
-            </a:r>
+              <a:t>podporuje sa neblokujúce získanie výsledku</a:t>
+            </a:r>
+          </a:p>
+          <a:p>
+            <a:pPr lvl="1"/>
+            <a:r>
+              <a:rPr lang="sk-SK" dirty="0" smtClean="0"/>
+              <a:t>v Java </a:t>
+            </a:r>
+            <a:r>
+              <a:rPr lang="sk-SK" dirty="0" err="1" smtClean="0"/>
+              <a:t>Future</a:t>
+            </a:r>
+            <a:r>
+              <a:rPr lang="sk-SK" dirty="0"/>
+              <a:t> </a:t>
+            </a:r>
+            <a:r>
+              <a:rPr lang="sk-SK" dirty="0" smtClean="0"/>
+              <a:t>jediná možnosť: blokujúci .get()</a:t>
+            </a:r>
+            <a:endParaRPr lang="sk-SK" dirty="0" smtClean="0"/>
+          </a:p>
+          <a:p>
+            <a:r>
+              <a:rPr lang="sk-SK" dirty="0" smtClean="0"/>
+              <a:t>zavesíme poslucháčov na výsledok:</a:t>
+            </a:r>
+            <a:endParaRPr lang="sk-SK" dirty="0" smtClean="0"/>
           </a:p>
           <a:p>
             <a:pPr lvl="1"/>
